--- a/documents/MD Robotics 2016 Control System Kick Off Fall 2016.pptx
+++ b/documents/MD Robotics 2016 Control System Kick Off Fall 2016.pptx
@@ -5,17 +5,18 @@
     <p:sldMasterId id="2147483773" r:id="rId1"/>
   </p:sldMasterIdLst>
   <p:notesMasterIdLst>
-    <p:notesMasterId r:id="rId10"/>
+    <p:notesMasterId r:id="rId11"/>
   </p:notesMasterIdLst>
   <p:sldIdLst>
     <p:sldId id="256" r:id="rId2"/>
     <p:sldId id="269" r:id="rId3"/>
-    <p:sldId id="263" r:id="rId4"/>
-    <p:sldId id="270" r:id="rId5"/>
-    <p:sldId id="264" r:id="rId6"/>
-    <p:sldId id="265" r:id="rId7"/>
-    <p:sldId id="266" r:id="rId8"/>
-    <p:sldId id="267" r:id="rId9"/>
+    <p:sldId id="271" r:id="rId4"/>
+    <p:sldId id="263" r:id="rId5"/>
+    <p:sldId id="270" r:id="rId6"/>
+    <p:sldId id="264" r:id="rId7"/>
+    <p:sldId id="265" r:id="rId8"/>
+    <p:sldId id="266" r:id="rId9"/>
+    <p:sldId id="267" r:id="rId10"/>
   </p:sldIdLst>
   <p:sldSz cx="12192000" cy="6858000"/>
   <p:notesSz cx="6858000" cy="9144000"/>
@@ -219,7 +220,7 @@
           <a:p>
             <a:fld id="{266A2282-CDD6-4B84-843D-4D083B33FAEE}" type="datetimeFigureOut">
               <a:rPr lang="en-US" smtClean="0"/>
-              <a:t>9/2/2016</a:t>
+              <a:t>9/23/2016</a:t>
             </a:fld>
             <a:endParaRPr lang="en-US"/>
           </a:p>
@@ -891,7 +892,7 @@
             <a:fld id="{87DE6118-2437-4B30-8E3C-4D2BE6020583}" type="datetimeFigureOut">
               <a:rPr lang="en-US" smtClean="0"/>
               <a:pPr/>
-              <a:t>9/2/2016</a:t>
+              <a:t>9/23/2016</a:t>
             </a:fld>
             <a:endParaRPr lang="en-US" dirty="0"/>
           </a:p>
@@ -1120,7 +1121,7 @@
           <a:p>
             <a:fld id="{87DE6118-2437-4B30-8E3C-4D2BE6020583}" type="datetimeFigureOut">
               <a:rPr lang="en-US" smtClean="0"/>
-              <a:t>9/2/2016</a:t>
+              <a:t>9/23/2016</a:t>
             </a:fld>
             <a:endParaRPr lang="en-US" dirty="0"/>
           </a:p>
@@ -1300,7 +1301,7 @@
           <a:p>
             <a:fld id="{87DE6118-2437-4B30-8E3C-4D2BE6020583}" type="datetimeFigureOut">
               <a:rPr lang="en-US" smtClean="0"/>
-              <a:t>9/2/2016</a:t>
+              <a:t>9/23/2016</a:t>
             </a:fld>
             <a:endParaRPr lang="en-US" dirty="0"/>
           </a:p>
@@ -1485,7 +1486,7 @@
           <a:p>
             <a:fld id="{87DE6118-2437-4B30-8E3C-4D2BE6020583}" type="datetimeFigureOut">
               <a:rPr lang="en-US" smtClean="0"/>
-              <a:t>9/2/2016</a:t>
+              <a:t>9/23/2016</a:t>
             </a:fld>
             <a:endParaRPr lang="en-US" dirty="0"/>
           </a:p>
@@ -1818,7 +1819,7 @@
             <a:fld id="{87DE6118-2437-4B30-8E3C-4D2BE6020583}" type="datetimeFigureOut">
               <a:rPr lang="en-US" smtClean="0"/>
               <a:pPr/>
-              <a:t>9/2/2016</a:t>
+              <a:t>9/23/2016</a:t>
             </a:fld>
             <a:endParaRPr lang="en-US" dirty="0"/>
           </a:p>
@@ -2205,7 +2206,7 @@
           <a:p>
             <a:fld id="{87DE6118-2437-4B30-8E3C-4D2BE6020583}" type="datetimeFigureOut">
               <a:rPr lang="en-US" smtClean="0"/>
-              <a:t>9/2/2016</a:t>
+              <a:t>9/23/2016</a:t>
             </a:fld>
             <a:endParaRPr lang="en-US" dirty="0"/>
           </a:p>
@@ -2639,7 +2640,7 @@
           <a:p>
             <a:fld id="{87DE6118-2437-4B30-8E3C-4D2BE6020583}" type="datetimeFigureOut">
               <a:rPr lang="en-US" smtClean="0"/>
-              <a:t>9/2/2016</a:t>
+              <a:t>9/23/2016</a:t>
             </a:fld>
             <a:endParaRPr lang="en-US" dirty="0"/>
           </a:p>
@@ -2757,7 +2758,7 @@
           <a:p>
             <a:fld id="{87DE6118-2437-4B30-8E3C-4D2BE6020583}" type="datetimeFigureOut">
               <a:rPr lang="en-US" smtClean="0"/>
-              <a:t>9/2/2016</a:t>
+              <a:t>9/23/2016</a:t>
             </a:fld>
             <a:endParaRPr lang="en-US" dirty="0"/>
           </a:p>
@@ -2852,7 +2853,7 @@
           <a:p>
             <a:fld id="{87DE6118-2437-4B30-8E3C-4D2BE6020583}" type="datetimeFigureOut">
               <a:rPr lang="en-US" smtClean="0"/>
-              <a:t>9/2/2016</a:t>
+              <a:t>9/23/2016</a:t>
             </a:fld>
             <a:endParaRPr lang="en-US" dirty="0"/>
           </a:p>
@@ -3203,7 +3204,7 @@
             <a:fld id="{87DE6118-2437-4B30-8E3C-4D2BE6020583}" type="datetimeFigureOut">
               <a:rPr lang="en-US" smtClean="0"/>
               <a:pPr/>
-              <a:t>9/2/2016</a:t>
+              <a:t>9/23/2016</a:t>
             </a:fld>
             <a:endParaRPr lang="en-US" dirty="0"/>
           </a:p>
@@ -3630,7 +3631,7 @@
             <a:fld id="{87DE6118-2437-4B30-8E3C-4D2BE6020583}" type="datetimeFigureOut">
               <a:rPr lang="en-US" smtClean="0"/>
               <a:pPr/>
-              <a:t>9/2/2016</a:t>
+              <a:t>9/23/2016</a:t>
             </a:fld>
             <a:endParaRPr lang="en-US" dirty="0"/>
           </a:p>
@@ -3913,7 +3914,7 @@
             <a:fld id="{87DE6118-2437-4B30-8E3C-4D2BE6020583}" type="datetimeFigureOut">
               <a:rPr lang="en-US" smtClean="0"/>
               <a:pPr/>
-              <a:t>9/2/2016</a:t>
+              <a:t>9/23/2016</a:t>
             </a:fld>
             <a:endParaRPr lang="en-US" dirty="0"/>
           </a:p>
@@ -6967,6 +6968,124 @@
 </file>
 
 <file path=ppt/slides/slide3.xml><?xml version="1.0" encoding="utf-8"?>
+<p:sld xmlns:a="http://schemas.openxmlformats.org/drawingml/2006/main" xmlns:r="http://schemas.openxmlformats.org/officeDocument/2006/relationships" xmlns:p="http://schemas.openxmlformats.org/presentationml/2006/main">
+  <p:cSld>
+    <p:spTree>
+      <p:nvGrpSpPr>
+        <p:cNvPr id="1" name=""/>
+        <p:cNvGrpSpPr/>
+        <p:nvPr/>
+      </p:nvGrpSpPr>
+      <p:grpSpPr>
+        <a:xfrm>
+          <a:off x="0" y="0"/>
+          <a:ext cx="0" cy="0"/>
+          <a:chOff x="0" y="0"/>
+          <a:chExt cx="0" cy="0"/>
+        </a:xfrm>
+      </p:grpSpPr>
+      <p:sp>
+        <p:nvSpPr>
+          <p:cNvPr id="2" name="Title 1"/>
+          <p:cNvSpPr>
+            <a:spLocks noGrp="1"/>
+          </p:cNvSpPr>
+          <p:nvPr>
+            <p:ph type="title"/>
+          </p:nvPr>
+        </p:nvSpPr>
+        <p:spPr/>
+        <p:txBody>
+          <a:bodyPr/>
+          <a:lstStyle/>
+          <a:p>
+            <a:endParaRPr lang="en-US" dirty="0"/>
+          </a:p>
+        </p:txBody>
+      </p:sp>
+      <p:pic>
+        <p:nvPicPr>
+          <p:cNvPr id="4" name="Content Placeholder 3"/>
+          <p:cNvPicPr>
+            <a:picLocks noGrp="1" noChangeAspect="1"/>
+          </p:cNvPicPr>
+          <p:nvPr>
+            <p:ph idx="1"/>
+          </p:nvPr>
+        </p:nvPicPr>
+        <p:blipFill>
+          <a:blip r:embed="rId2">
+            <a:extLst>
+              <a:ext uri="{28A0092B-C50C-407E-A947-70E740481C1C}">
+                <a14:useLocalDpi xmlns:a14="http://schemas.microsoft.com/office/drawing/2010/main" val="0"/>
+              </a:ext>
+            </a:extLst>
+          </a:blip>
+          <a:stretch>
+            <a:fillRect/>
+          </a:stretch>
+        </p:blipFill>
+        <p:spPr>
+          <a:xfrm>
+            <a:off x="1470755" y="276627"/>
+            <a:ext cx="8748585" cy="5752195"/>
+          </a:xfrm>
+        </p:spPr>
+      </p:pic>
+      <p:sp>
+        <p:nvSpPr>
+          <p:cNvPr id="5" name="TextBox 4"/>
+          <p:cNvSpPr txBox="1"/>
+          <p:nvPr/>
+        </p:nvSpPr>
+        <p:spPr>
+          <a:xfrm>
+            <a:off x="1149178" y="6252519"/>
+            <a:ext cx="9733370" cy="369332"/>
+          </a:xfrm>
+          <a:prstGeom prst="rect">
+            <a:avLst/>
+          </a:prstGeom>
+          <a:noFill/>
+        </p:spPr>
+        <p:txBody>
+          <a:bodyPr wrap="none" rtlCol="0">
+            <a:spAutoFit/>
+          </a:bodyPr>
+          <a:lstStyle/>
+          <a:p>
+            <a:r>
+              <a:rPr lang="en-US" dirty="0" smtClean="0"/>
+              <a:t>Source</a:t>
+            </a:r>
+            <a:r>
+              <a:rPr lang="en-US" dirty="0"/>
+              <a:t>:  Team 358: http://www.team358.org/files/programming/ControlSystem2015-2019/</a:t>
+            </a:r>
+          </a:p>
+        </p:txBody>
+      </p:sp>
+    </p:spTree>
+    <p:extLst>
+      <p:ext uri="{BB962C8B-B14F-4D97-AF65-F5344CB8AC3E}">
+        <p14:creationId xmlns:p14="http://schemas.microsoft.com/office/powerpoint/2010/main" val="3882341910"/>
+      </p:ext>
+    </p:extLst>
+  </p:cSld>
+  <p:clrMapOvr>
+    <a:masterClrMapping/>
+  </p:clrMapOvr>
+  <p:timing>
+    <p:tnLst>
+      <p:par>
+        <p:cTn id="1" dur="indefinite" restart="never" nodeType="tmRoot"/>
+      </p:par>
+    </p:tnLst>
+  </p:timing>
+</p:sld>
+</file>
+
+<file path=ppt/slides/slide4.xml><?xml version="1.0" encoding="utf-8"?>
 <p:sld xmlns:a="http://schemas.openxmlformats.org/drawingml/2006/main" xmlns:r="http://schemas.openxmlformats.org/officeDocument/2006/relationships" xmlns:p="http://schemas.openxmlformats.org/presentationml/2006/main">
   <p:cSld>
     <p:spTree>
@@ -11557,7 +11676,7 @@
 </p:sld>
 </file>
 
-<file path=ppt/slides/slide4.xml><?xml version="1.0" encoding="utf-8"?>
+<file path=ppt/slides/slide5.xml><?xml version="1.0" encoding="utf-8"?>
 <p:sld xmlns:a="http://schemas.openxmlformats.org/drawingml/2006/main" xmlns:r="http://schemas.openxmlformats.org/officeDocument/2006/relationships" xmlns:p="http://schemas.openxmlformats.org/presentationml/2006/main">
   <p:cSld>
     <p:spTree>
@@ -13702,7 +13821,7 @@
 </p:sld>
 </file>
 
-<file path=ppt/slides/slide5.xml><?xml version="1.0" encoding="utf-8"?>
+<file path=ppt/slides/slide6.xml><?xml version="1.0" encoding="utf-8"?>
 <p:sld xmlns:a="http://schemas.openxmlformats.org/drawingml/2006/main" xmlns:r="http://schemas.openxmlformats.org/officeDocument/2006/relationships" xmlns:p="http://schemas.openxmlformats.org/presentationml/2006/main">
   <p:cSld>
     <p:spTree>
@@ -14226,7 +14345,7 @@
 </p:sld>
 </file>
 
-<file path=ppt/slides/slide6.xml><?xml version="1.0" encoding="utf-8"?>
+<file path=ppt/slides/slide7.xml><?xml version="1.0" encoding="utf-8"?>
 <p:sld xmlns:a="http://schemas.openxmlformats.org/drawingml/2006/main" xmlns:r="http://schemas.openxmlformats.org/officeDocument/2006/relationships" xmlns:p="http://schemas.openxmlformats.org/presentationml/2006/main">
   <p:cSld>
     <p:spTree>
@@ -14688,7 +14807,7 @@
 </p:sld>
 </file>
 
-<file path=ppt/slides/slide7.xml><?xml version="1.0" encoding="utf-8"?>
+<file path=ppt/slides/slide8.xml><?xml version="1.0" encoding="utf-8"?>
 <p:sld xmlns:a="http://schemas.openxmlformats.org/drawingml/2006/main" xmlns:r="http://schemas.openxmlformats.org/officeDocument/2006/relationships" xmlns:p="http://schemas.openxmlformats.org/presentationml/2006/main">
   <p:cSld>
     <p:spTree>
@@ -15212,7 +15331,7 @@
 </p:sld>
 </file>
 
-<file path=ppt/slides/slide8.xml><?xml version="1.0" encoding="utf-8"?>
+<file path=ppt/slides/slide9.xml><?xml version="1.0" encoding="utf-8"?>
 <p:sld xmlns:a="http://schemas.openxmlformats.org/drawingml/2006/main" xmlns:r="http://schemas.openxmlformats.org/officeDocument/2006/relationships" xmlns:p="http://schemas.openxmlformats.org/presentationml/2006/main">
   <p:cSld>
     <p:spTree>
